--- a/Hiroshima/仕様書/主人公の動き.pptx
+++ b/Hiroshima/仕様書/主人公の動き.pptx
@@ -110,6 +110,11 @@
       </a:defRPr>
     </a:lvl9pPr>
   </p:defaultTextStyle>
+  <p:extLst>
+    <p:ext uri="{EFAFB233-063F-42B5-8137-9DF3F51BA10A}">
+      <p15:sldGuideLst xmlns:p15="http://schemas.microsoft.com/office/powerpoint/2012/main"/>
+    </p:ext>
+  </p:extLst>
 </p:presentation>
 </file>
 
@@ -3394,11 +3399,7 @@
             <a:pPr lvl="1"/>
             <a:r>
               <a:rPr lang="ja-JP" altLang="en-US" dirty="0" smtClean="0"/>
-              <a:t>？＿　攻撃　</a:t>
-            </a:r>
-            <a:r>
-              <a:rPr lang="ja-JP" altLang="en-US" dirty="0" smtClean="0"/>
-              <a:t>遠距離</a:t>
+              <a:t>？＿　攻撃　遠距離</a:t>
             </a:r>
             <a:endParaRPr lang="en-US" altLang="ja-JP" dirty="0"/>
           </a:p>
@@ -3419,7 +3420,31 @@
           <a:p>
             <a:r>
               <a:rPr lang="ja-JP" altLang="en-US" dirty="0" smtClean="0"/>
-              <a:t>コントローラにあてはめる</a:t>
+              <a:t>コントローラに</a:t>
+            </a:r>
+            <a:r>
+              <a:rPr lang="ja-JP" altLang="en-US" dirty="0" smtClean="0"/>
+              <a:t>あてはめる</a:t>
+            </a:r>
+            <a:endParaRPr lang="en-US" altLang="ja-JP" dirty="0" smtClean="0"/>
+          </a:p>
+          <a:p>
+            <a:pPr lvl="1"/>
+            <a:r>
+              <a:rPr lang="en-US" altLang="ja-JP" dirty="0" smtClean="0"/>
+              <a:t>WASD</a:t>
+            </a:r>
+            <a:r>
+              <a:rPr lang="ja-JP" altLang="en-US" dirty="0" smtClean="0"/>
+              <a:t>　左スティック</a:t>
+            </a:r>
+            <a:endParaRPr lang="en-US" altLang="ja-JP" dirty="0" smtClean="0"/>
+          </a:p>
+          <a:p>
+            <a:pPr lvl="1"/>
+            <a:r>
+              <a:rPr lang="ja-JP" altLang="en-US" dirty="0" smtClean="0"/>
+              <a:t>ボタン１２３　そのままボタン</a:t>
             </a:r>
             <a:endParaRPr lang="en-US" altLang="ja-JP" dirty="0" smtClean="0"/>
           </a:p>

--- a/Hiroshima/仕様書/主人公の動き.pptx
+++ b/Hiroshima/仕様書/主人公の動き.pptx
@@ -3420,11 +3420,7 @@
           <a:p>
             <a:r>
               <a:rPr lang="ja-JP" altLang="en-US" dirty="0" smtClean="0"/>
-              <a:t>コントローラに</a:t>
-            </a:r>
-            <a:r>
-              <a:rPr lang="ja-JP" altLang="en-US" dirty="0" smtClean="0"/>
-              <a:t>あてはめる</a:t>
+              <a:t>コントローラにあてはめる</a:t>
             </a:r>
             <a:endParaRPr lang="en-US" altLang="ja-JP" dirty="0" smtClean="0"/>
           </a:p>
